--- a/docs/EquipmentSetup/Kits/OTIS_Case.pptx
+++ b/docs/EquipmentSetup/Kits/OTIS_Case.pptx
@@ -104,6 +104,11 @@
       </a:defRPr>
     </a:lvl9pPr>
   </p:defaultTextStyle>
+  <p:extLst>
+    <p:ext uri="{EFAFB233-063F-42B5-8137-9DF3F51BA10A}">
+      <p15:sldGuideLst xmlns:p15="http://schemas.microsoft.com/office/powerpoint/2012/main"/>
+    </p:ext>
+  </p:extLst>
 </p:presentation>
 </file>
 
@@ -246,7 +251,7 @@
           <a:p>
             <a:fld id="{C5E0A811-B121-4112-8C34-B120631A2400}" type="datetimeFigureOut">
               <a:rPr lang="en-CA" smtClean="0"/>
-              <a:t>2024-11-21</a:t>
+              <a:t>2024-12-19</a:t>
             </a:fld>
             <a:endParaRPr lang="en-CA"/>
           </a:p>
@@ -416,7 +421,7 @@
           <a:p>
             <a:fld id="{C5E0A811-B121-4112-8C34-B120631A2400}" type="datetimeFigureOut">
               <a:rPr lang="en-CA" smtClean="0"/>
-              <a:t>2024-11-21</a:t>
+              <a:t>2024-12-19</a:t>
             </a:fld>
             <a:endParaRPr lang="en-CA"/>
           </a:p>
@@ -596,7 +601,7 @@
           <a:p>
             <a:fld id="{C5E0A811-B121-4112-8C34-B120631A2400}" type="datetimeFigureOut">
               <a:rPr lang="en-CA" smtClean="0"/>
-              <a:t>2024-11-21</a:t>
+              <a:t>2024-12-19</a:t>
             </a:fld>
             <a:endParaRPr lang="en-CA"/>
           </a:p>
@@ -766,7 +771,7 @@
           <a:p>
             <a:fld id="{C5E0A811-B121-4112-8C34-B120631A2400}" type="datetimeFigureOut">
               <a:rPr lang="en-CA" smtClean="0"/>
-              <a:t>2024-11-21</a:t>
+              <a:t>2024-12-19</a:t>
             </a:fld>
             <a:endParaRPr lang="en-CA"/>
           </a:p>
@@ -1010,7 +1015,7 @@
           <a:p>
             <a:fld id="{C5E0A811-B121-4112-8C34-B120631A2400}" type="datetimeFigureOut">
               <a:rPr lang="en-CA" smtClean="0"/>
-              <a:t>2024-11-21</a:t>
+              <a:t>2024-12-19</a:t>
             </a:fld>
             <a:endParaRPr lang="en-CA"/>
           </a:p>
@@ -1242,7 +1247,7 @@
           <a:p>
             <a:fld id="{C5E0A811-B121-4112-8C34-B120631A2400}" type="datetimeFigureOut">
               <a:rPr lang="en-CA" smtClean="0"/>
-              <a:t>2024-11-21</a:t>
+              <a:t>2024-12-19</a:t>
             </a:fld>
             <a:endParaRPr lang="en-CA"/>
           </a:p>
@@ -1609,7 +1614,7 @@
           <a:p>
             <a:fld id="{C5E0A811-B121-4112-8C34-B120631A2400}" type="datetimeFigureOut">
               <a:rPr lang="en-CA" smtClean="0"/>
-              <a:t>2024-11-21</a:t>
+              <a:t>2024-12-19</a:t>
             </a:fld>
             <a:endParaRPr lang="en-CA"/>
           </a:p>
@@ -1727,7 +1732,7 @@
           <a:p>
             <a:fld id="{C5E0A811-B121-4112-8C34-B120631A2400}" type="datetimeFigureOut">
               <a:rPr lang="en-CA" smtClean="0"/>
-              <a:t>2024-11-21</a:t>
+              <a:t>2024-12-19</a:t>
             </a:fld>
             <a:endParaRPr lang="en-CA"/>
           </a:p>
@@ -1822,7 +1827,7 @@
           <a:p>
             <a:fld id="{C5E0A811-B121-4112-8C34-B120631A2400}" type="datetimeFigureOut">
               <a:rPr lang="en-CA" smtClean="0"/>
-              <a:t>2024-11-21</a:t>
+              <a:t>2024-12-19</a:t>
             </a:fld>
             <a:endParaRPr lang="en-CA"/>
           </a:p>
@@ -2099,7 +2104,7 @@
           <a:p>
             <a:fld id="{C5E0A811-B121-4112-8C34-B120631A2400}" type="datetimeFigureOut">
               <a:rPr lang="en-CA" smtClean="0"/>
-              <a:t>2024-11-21</a:t>
+              <a:t>2024-12-19</a:t>
             </a:fld>
             <a:endParaRPr lang="en-CA"/>
           </a:p>
@@ -2356,7 +2361,7 @@
           <a:p>
             <a:fld id="{C5E0A811-B121-4112-8C34-B120631A2400}" type="datetimeFigureOut">
               <a:rPr lang="en-CA" smtClean="0"/>
-              <a:t>2024-11-21</a:t>
+              <a:t>2024-12-19</a:t>
             </a:fld>
             <a:endParaRPr lang="en-CA"/>
           </a:p>
@@ -2569,7 +2574,7 @@
           <a:p>
             <a:fld id="{C5E0A811-B121-4112-8C34-B120631A2400}" type="datetimeFigureOut">
               <a:rPr lang="en-CA" smtClean="0"/>
-              <a:t>2024-11-21</a:t>
+              <a:t>2024-12-19</a:t>
             </a:fld>
             <a:endParaRPr lang="en-CA"/>
           </a:p>
@@ -3024,8 +3029,8 @@
         </p:nvSpPr>
         <p:spPr>
           <a:xfrm>
-            <a:off x="902517" y="1733160"/>
-            <a:ext cx="1564531" cy="1442318"/>
+            <a:off x="918998" y="1733160"/>
+            <a:ext cx="1531573" cy="1442318"/>
           </a:xfrm>
           <a:prstGeom prst="rect">
             <a:avLst/>
@@ -3045,18 +3050,22 @@
                   <a:schemeClr val="accent1"/>
                 </a:solidFill>
               </a:rPr>
-              <a:t>Rpi400 computers</a:t>
-            </a:r>
-          </a:p>
-          <a:p>
-            <a:pPr algn="ctr"/>
-            <a:r>
-              <a:rPr lang="en-CA" sz="1462" dirty="0">
-                <a:solidFill>
-                  <a:schemeClr val="accent1"/>
-                </a:solidFill>
-              </a:rPr>
-              <a:t>x 4</a:t>
+              <a:t>Raspberry Pi 500 </a:t>
+            </a:r>
+            <a:br>
+              <a:rPr lang="en-CA" sz="1462" dirty="0">
+                <a:solidFill>
+                  <a:schemeClr val="accent1"/>
+                </a:solidFill>
+              </a:rPr>
+            </a:br>
+            <a:r>
+              <a:rPr lang="en-CA" sz="1462" dirty="0">
+                <a:solidFill>
+                  <a:schemeClr val="accent1"/>
+                </a:solidFill>
+              </a:rPr>
+              <a:t>computers x 4</a:t>
             </a:r>
             <a:br>
               <a:rPr lang="en-CA" sz="1462" dirty="0">
@@ -3123,8 +3132,8 @@
         </p:nvSpPr>
         <p:spPr>
           <a:xfrm>
-            <a:off x="3308978" y="1324405"/>
-            <a:ext cx="1141402" cy="542328"/>
+            <a:off x="2755165" y="795239"/>
+            <a:ext cx="1782796" cy="992323"/>
           </a:xfrm>
           <a:prstGeom prst="rect">
             <a:avLst/>
@@ -3160,6 +3169,36 @@
                 </a:solidFill>
               </a:rPr>
               <a:t>Monitors x 4</a:t>
+            </a:r>
+            <a:br>
+              <a:rPr lang="en-CA" sz="1462" dirty="0">
+                <a:solidFill>
+                  <a:schemeClr val="accent1"/>
+                </a:solidFill>
+              </a:rPr>
+            </a:br>
+            <a:r>
+              <a:rPr lang="en-CA" sz="1462" dirty="0">
+                <a:solidFill>
+                  <a:schemeClr val="accent1"/>
+                </a:solidFill>
+              </a:rPr>
+              <a:t>(announcer, marshal,</a:t>
+            </a:r>
+            <a:br>
+              <a:rPr lang="en-CA" sz="1462" dirty="0">
+                <a:solidFill>
+                  <a:schemeClr val="accent1"/>
+                </a:solidFill>
+              </a:rPr>
+            </a:br>
+            <a:r>
+              <a:rPr lang="en-CA" sz="1462" dirty="0">
+                <a:solidFill>
+                  <a:schemeClr val="accent1"/>
+                </a:solidFill>
+              </a:rPr>
+              <a:t>clock, jury)</a:t>
             </a:r>
           </a:p>
         </p:txBody>
@@ -3181,8 +3220,8 @@
         </p:nvCxnSpPr>
         <p:spPr>
           <a:xfrm>
-            <a:off x="3879679" y="1866733"/>
-            <a:ext cx="229511" cy="547278"/>
+            <a:off x="3646563" y="1787562"/>
+            <a:ext cx="360828" cy="573918"/>
           </a:xfrm>
           <a:prstGeom prst="straightConnector1">
             <a:avLst/>
@@ -3223,8 +3262,8 @@
         </p:nvCxnSpPr>
         <p:spPr>
           <a:xfrm>
-            <a:off x="2467048" y="2454319"/>
-            <a:ext cx="917953" cy="398460"/>
+            <a:off x="2450571" y="2454319"/>
+            <a:ext cx="934430" cy="398460"/>
           </a:xfrm>
           <a:prstGeom prst="straightConnector1">
             <a:avLst/>
@@ -3265,8 +3304,8 @@
         </p:nvCxnSpPr>
         <p:spPr>
           <a:xfrm>
-            <a:off x="2467048" y="2454319"/>
-            <a:ext cx="538973" cy="511987"/>
+            <a:off x="2450571" y="2454319"/>
+            <a:ext cx="555450" cy="511987"/>
           </a:xfrm>
           <a:prstGeom prst="straightConnector1">
             <a:avLst/>
@@ -3958,20 +3997,12 @@
           <a:p>
             <a:pPr algn="ctr"/>
             <a:r>
-              <a:rPr lang="en-CA" sz="1462" dirty="0" err="1">
-                <a:solidFill>
-                  <a:schemeClr val="accent1"/>
-                </a:solidFill>
-              </a:rPr>
-              <a:t>Rpi</a:t>
-            </a:r>
-            <a:r>
-              <a:rPr lang="en-CA" sz="1462" dirty="0">
-                <a:solidFill>
-                  <a:schemeClr val="accent1"/>
-                </a:solidFill>
-              </a:rPr>
-              <a:t> 5</a:t>
+              <a:rPr lang="en-CA" sz="1462" dirty="0">
+                <a:solidFill>
+                  <a:schemeClr val="accent1"/>
+                </a:solidFill>
+              </a:rPr>
+              <a:t>Raspberry Pi 5</a:t>
             </a:r>
           </a:p>
           <a:p>
@@ -4283,7 +4314,7 @@
         <p:spPr>
           <a:xfrm>
             <a:off x="6750365" y="4992290"/>
-            <a:ext cx="2183475" cy="992323"/>
+            <a:ext cx="2183475" cy="1442318"/>
           </a:xfrm>
           <a:prstGeom prst="rect">
             <a:avLst/>
@@ -4318,7 +4349,7 @@
                   <a:schemeClr val="accent1"/>
                 </a:solidFill>
               </a:rPr>
-              <a:t>5 x packing cube</a:t>
+              <a:t>5 packing cubes</a:t>
             </a:r>
             <a:br>
               <a:rPr lang="en-CA" sz="1462" dirty="0">
@@ -4333,7 +4364,39 @@
                   <a:schemeClr val="accent1"/>
                 </a:solidFill>
               </a:rPr>
-              <a:t>(one per role)</a:t>
+              <a:t>(</a:t>
+            </a:r>
+            <a:r>
+              <a:rPr lang="en-CA" sz="1462" dirty="0" err="1">
+                <a:solidFill>
+                  <a:schemeClr val="accent1"/>
+                </a:solidFill>
+              </a:rPr>
+              <a:t>announcer+scoreboard</a:t>
+            </a:r>
+            <a:r>
+              <a:rPr lang="en-CA" sz="1462" dirty="0">
+                <a:solidFill>
+                  <a:schemeClr val="accent1"/>
+                </a:solidFill>
+              </a:rPr>
+              <a:t>, marshal, warmup, </a:t>
+            </a:r>
+            <a:r>
+              <a:rPr lang="en-CA" sz="1462" dirty="0" err="1">
+                <a:solidFill>
+                  <a:schemeClr val="accent1"/>
+                </a:solidFill>
+              </a:rPr>
+              <a:t>clock+attempt</a:t>
+            </a:r>
+            <a:r>
+              <a:rPr lang="en-CA" sz="1462" dirty="0">
+                <a:solidFill>
+                  <a:schemeClr val="accent1"/>
+                </a:solidFill>
+              </a:rPr>
+              <a:t> board, jury)</a:t>
             </a:r>
           </a:p>
         </p:txBody>
